--- a/doc/WIT_CFG.pptx
+++ b/doc/WIT_CFG.pptx
@@ -122,7 +122,7 @@
 <file path=ppt/revisionInfo.xml><?xml version="1.0" encoding="utf-8"?>
 <p1510:revInfo xmlns:a="http://schemas.openxmlformats.org/drawingml/2006/main" xmlns:r="http://schemas.openxmlformats.org/officeDocument/2006/relationships" xmlns:p1510="http://schemas.microsoft.com/office/powerpoint/2015/10/main">
   <p1510:revLst>
-    <p1510:client id="{BE465F75-73FF-45CE-8D40-598668590309}" v="267" dt="2021-06-18T12:24:22.315"/>
+    <p1510:client id="{BE465F75-73FF-45CE-8D40-598668590309}" v="268" dt="2021-06-18T13:28:38.279"/>
   </p1510:revLst>
 </p1510:revInfo>
 </file>
@@ -132,7 +132,7 @@
   <pc:docChgLst>
     <pc:chgData name="Velusamy, Sivakami" userId="a71082fd-c4dd-4095-9079-f040cc0c1ba5" providerId="ADAL" clId="{BE465F75-73FF-45CE-8D40-598668590309}"/>
     <pc:docChg chg="undo redo custSel addSld delSld modSld">
-      <pc:chgData name="Velusamy, Sivakami" userId="a71082fd-c4dd-4095-9079-f040cc0c1ba5" providerId="ADAL" clId="{BE465F75-73FF-45CE-8D40-598668590309}" dt="2021-06-18T12:25:11.475" v="3501" actId="20577"/>
+      <pc:chgData name="Velusamy, Sivakami" userId="a71082fd-c4dd-4095-9079-f040cc0c1ba5" providerId="ADAL" clId="{BE465F75-73FF-45CE-8D40-598668590309}" dt="2021-06-18T13:29:34.543" v="3547" actId="108"/>
       <pc:docMkLst>
         <pc:docMk/>
       </pc:docMkLst>
@@ -1005,7 +1005,7 @@
         </pc:picChg>
       </pc:sldChg>
       <pc:sldChg chg="addSp delSp modSp mod">
-        <pc:chgData name="Velusamy, Sivakami" userId="a71082fd-c4dd-4095-9079-f040cc0c1ba5" providerId="ADAL" clId="{BE465F75-73FF-45CE-8D40-598668590309}" dt="2021-06-18T12:25:11.475" v="3501" actId="20577"/>
+        <pc:chgData name="Velusamy, Sivakami" userId="a71082fd-c4dd-4095-9079-f040cc0c1ba5" providerId="ADAL" clId="{BE465F75-73FF-45CE-8D40-598668590309}" dt="2021-06-18T13:29:34.543" v="3547" actId="108"/>
         <pc:sldMkLst>
           <pc:docMk/>
           <pc:sldMk cId="465779931" sldId="1367"/>
@@ -1035,7 +1035,7 @@
           </ac:spMkLst>
         </pc:spChg>
         <pc:spChg chg="add del mod">
-          <ac:chgData name="Velusamy, Sivakami" userId="a71082fd-c4dd-4095-9079-f040cc0c1ba5" providerId="ADAL" clId="{BE465F75-73FF-45CE-8D40-598668590309}" dt="2021-06-18T09:41:37.620" v="3444" actId="20577"/>
+          <ac:chgData name="Velusamy, Sivakami" userId="a71082fd-c4dd-4095-9079-f040cc0c1ba5" providerId="ADAL" clId="{BE465F75-73FF-45CE-8D40-598668590309}" dt="2021-06-18T13:29:34.543" v="3547" actId="108"/>
           <ac:spMkLst>
             <pc:docMk/>
             <pc:sldMk cId="465779931" sldId="1367"/>
@@ -14817,8 +14817,8 @@
         </p:nvSpPr>
         <p:spPr>
           <a:xfrm>
-            <a:off x="261258" y="3567164"/>
-            <a:ext cx="11848122" cy="2986035"/>
+            <a:off x="171939" y="3406141"/>
+            <a:ext cx="11848122" cy="3397032"/>
           </a:xfrm>
         </p:spPr>
         <p:txBody>
@@ -14865,125 +14865,33 @@
             </a:r>
           </a:p>
           <a:p>
-            <a:pPr marL="0" indent="0">
-              <a:buNone/>
-            </a:pPr>
-            <a:r>
-              <a:rPr lang="en-US" sz="1000" dirty="0"/>
-              <a:t>     </a:t>
-            </a:r>
-            <a:r>
-              <a:rPr lang="en-US" sz="1000" dirty="0">
-                <a:solidFill>
-                  <a:schemeClr val="bg1">
-                    <a:lumMod val="50000"/>
-                  </a:schemeClr>
-                </a:solidFill>
-              </a:rPr>
-              <a:t>&gt;&gt;    Name of the farmer / Farm , Mobile Number, Location/Address, Name of produce-Type/Sub-Type, QTY of produce, Price for min and max QTY</a:t>
-            </a:r>
-          </a:p>
-          <a:p>
-            <a:pPr marL="228600" indent="-228600">
-              <a:buAutoNum type="arabicPeriod" startAt="4"/>
-            </a:pPr>
-            <a:r>
-              <a:rPr lang="en-US" sz="1000" dirty="0"/>
-              <a:t>The extracted details are put in </a:t>
-            </a:r>
-            <a:r>
-              <a:rPr lang="en-US" sz="1000" dirty="0">
-                <a:solidFill>
-                  <a:schemeClr val="bg1">
-                    <a:lumMod val="50000"/>
-                  </a:schemeClr>
-                </a:solidFill>
-              </a:rPr>
-              <a:t>json format and stored in IBM COS(Cloud Object Storage)</a:t>
-            </a:r>
-            <a:r>
-              <a:rPr lang="en-US" sz="1000" dirty="0"/>
-              <a:t> as well and displayed for consumers once the video upload complete with extraction done on the android app</a:t>
-            </a:r>
-          </a:p>
-          <a:p>
-            <a:pPr marL="228600" indent="-228600">
-              <a:buAutoNum type="arabicPeriod" startAt="4"/>
-            </a:pPr>
-            <a:r>
-              <a:rPr lang="en-US" sz="1000" dirty="0"/>
-              <a:t>User can then place the order on the app , the details are </a:t>
-            </a:r>
-            <a:r>
-              <a:rPr lang="en-US" sz="1000" dirty="0">
-                <a:solidFill>
-                  <a:schemeClr val="bg1">
-                    <a:lumMod val="50000"/>
-                  </a:schemeClr>
-                </a:solidFill>
-              </a:rPr>
-              <a:t>again consolidated in Cloud storage </a:t>
-            </a:r>
-            <a:r>
-              <a:rPr lang="en-US" sz="1000" dirty="0"/>
-              <a:t>, </a:t>
-            </a:r>
-            <a:r>
-              <a:rPr lang="en-US" sz="1000" dirty="0">
-                <a:solidFill>
-                  <a:schemeClr val="bg1">
-                    <a:lumMod val="50000"/>
-                  </a:schemeClr>
-                </a:solidFill>
-              </a:rPr>
-              <a:t>fair pricing on logistics </a:t>
-            </a:r>
-            <a:r>
-              <a:rPr lang="en-US" sz="1000" dirty="0"/>
-              <a:t>arrived at for community and order is confirmed.</a:t>
-            </a:r>
-          </a:p>
-          <a:p>
-            <a:pPr marL="228600" indent="-228600">
-              <a:buAutoNum type="arabicPeriod" startAt="4"/>
-            </a:pPr>
-            <a:r>
-              <a:rPr lang="en-US" sz="1000" dirty="0"/>
-              <a:t>Once order is confirmed, community logistics will work towards collaborating with </a:t>
-            </a:r>
-            <a:r>
-              <a:rPr lang="en-US" sz="1000" dirty="0">
-                <a:solidFill>
-                  <a:schemeClr val="bg1">
-                    <a:lumMod val="50000"/>
-                  </a:schemeClr>
-                </a:solidFill>
-              </a:rPr>
-              <a:t>neighboring community using Newman detection algorithm</a:t>
-            </a:r>
-          </a:p>
-          <a:p>
             <a:pPr marL="228600" indent="-228600">
               <a:buFont typeface="+mj-lt"/>
               <a:buAutoNum type="arabicPeriod"/>
             </a:pPr>
             <a:r>
-              <a:rPr lang="en-US" sz="1000" b="1" dirty="0"/>
-              <a:t> is uploaded to the </a:t>
-            </a:r>
-            <a:r>
-              <a:rPr lang="en-US" sz="1000" b="1" dirty="0">
+              <a:rPr lang="en-US" sz="1000" dirty="0"/>
+              <a:t>     </a:t>
+            </a:r>
+            <a:r>
+              <a:rPr lang="en-US" sz="1000" dirty="0">
                 <a:solidFill>
                   <a:schemeClr val="bg1">
                     <a:lumMod val="50000"/>
                   </a:schemeClr>
                 </a:solidFill>
               </a:rPr>
-              <a:t>IBM Cloud Object Storage (COS) for retrieving</a:t>
-            </a:r>
-            <a:r>
-              <a:rPr lang="en-US" sz="1000" b="1" dirty="0"/>
-              <a:t> the text, image of produce and other relevant details using the trained ML model </a:t>
+              <a:t>&gt;&gt;    Name of the farmer / Farm , Mobile Number, Location/Address, Name of produce-Type/Sub-Type, QTY of produce, Price for min and max QTY</a:t>
+            </a:r>
+          </a:p>
+          <a:p>
+            <a:pPr marL="228600" indent="-228600">
+              <a:buFont typeface="+mj-lt"/>
+              <a:buAutoNum type="arabicPeriod"/>
+            </a:pPr>
+            <a:r>
+              <a:rPr lang="en-US" sz="1000" dirty="0"/>
+              <a:t>Same is uploaded to the </a:t>
             </a:r>
             <a:r>
               <a:rPr lang="en-US" sz="1000" b="1" dirty="0">
@@ -14993,27 +14901,134 @@
                   </a:schemeClr>
                 </a:solidFill>
               </a:rPr>
-              <a:t>(</a:t>
-            </a:r>
-            <a:r>
-              <a:rPr lang="en-US" sz="1000" b="1" dirty="0" err="1">
+              <a:t>IBM Cloud Object Storage (COS) for retrieving</a:t>
+            </a:r>
+            <a:r>
+              <a:rPr lang="en-US" sz="1000" b="1" dirty="0"/>
+              <a:t> </a:t>
+            </a:r>
+            <a:r>
+              <a:rPr lang="en-US" sz="1000" dirty="0"/>
+              <a:t>the text, image of produce and other relevant details using the trained ML model </a:t>
+            </a:r>
+            <a:r>
+              <a:rPr lang="en-US" sz="1000" b="1" dirty="0">
                 <a:solidFill>
                   <a:schemeClr val="bg1">
                     <a:lumMod val="50000"/>
                   </a:schemeClr>
                 </a:solidFill>
               </a:rPr>
-              <a:t>PixelLib</a:t>
-            </a:r>
-            <a:r>
-              <a:rPr lang="en-US" sz="1000" b="1" dirty="0">
+              <a:t>(</a:t>
+            </a:r>
+            <a:r>
+              <a:rPr lang="en-US" sz="1000" b="1" dirty="0" err="1">
                 <a:solidFill>
                   <a:schemeClr val="bg1">
                     <a:lumMod val="50000"/>
                   </a:schemeClr>
                 </a:solidFill>
               </a:rPr>
+              <a:t>PixelLib</a:t>
+            </a:r>
+            <a:r>
+              <a:rPr lang="en-US" sz="1000" b="1" dirty="0">
+                <a:solidFill>
+                  <a:schemeClr val="bg1">
+                    <a:lumMod val="50000"/>
+                  </a:schemeClr>
+                </a:solidFill>
+              </a:rPr>
               <a:t>).</a:t>
+            </a:r>
+            <a:endParaRPr lang="en-US" sz="1000" dirty="0">
+              <a:solidFill>
+                <a:schemeClr val="bg1">
+                  <a:lumMod val="50000"/>
+                </a:schemeClr>
+              </a:solidFill>
+            </a:endParaRPr>
+          </a:p>
+          <a:p>
+            <a:pPr marL="228600" indent="-228600">
+              <a:buFont typeface="+mj-lt"/>
+              <a:buAutoNum type="arabicPeriod"/>
+            </a:pPr>
+            <a:r>
+              <a:rPr lang="en-US" sz="1000" dirty="0"/>
+              <a:t>The extracted details are put in </a:t>
+            </a:r>
+            <a:r>
+              <a:rPr lang="en-US" sz="1000" dirty="0">
+                <a:solidFill>
+                  <a:schemeClr val="bg1">
+                    <a:lumMod val="50000"/>
+                  </a:schemeClr>
+                </a:solidFill>
+              </a:rPr>
+              <a:t>json format and stored in IBM COS(Cloud Object Storage)</a:t>
+            </a:r>
+            <a:r>
+              <a:rPr lang="en-US" sz="1000" dirty="0"/>
+              <a:t> as well and displayed for consumers once the video upload complete with extraction done on the android app</a:t>
+            </a:r>
+          </a:p>
+          <a:p>
+            <a:pPr marL="228600" indent="-228600">
+              <a:buFont typeface="+mj-lt"/>
+              <a:buAutoNum type="arabicPeriod"/>
+            </a:pPr>
+            <a:r>
+              <a:rPr lang="en-US" sz="1000" dirty="0"/>
+              <a:t>User can then place the order on the app , the details are </a:t>
+            </a:r>
+            <a:r>
+              <a:rPr lang="en-US" sz="1000" dirty="0">
+                <a:solidFill>
+                  <a:schemeClr val="bg1">
+                    <a:lumMod val="50000"/>
+                  </a:schemeClr>
+                </a:solidFill>
+              </a:rPr>
+              <a:t>again consolidated in Cloud storage </a:t>
+            </a:r>
+            <a:r>
+              <a:rPr lang="en-US" sz="1000" dirty="0"/>
+              <a:t>, </a:t>
+            </a:r>
+            <a:r>
+              <a:rPr lang="en-US" sz="1000" dirty="0">
+                <a:solidFill>
+                  <a:schemeClr val="bg1">
+                    <a:lumMod val="50000"/>
+                  </a:schemeClr>
+                </a:solidFill>
+              </a:rPr>
+              <a:t>fair pricing on logistics </a:t>
+            </a:r>
+            <a:r>
+              <a:rPr lang="en-US" sz="1000" dirty="0"/>
+              <a:t>arrived at for community and order is confirmed.</a:t>
+            </a:r>
+          </a:p>
+          <a:p>
+            <a:pPr marL="228600" indent="-228600">
+              <a:buFont typeface="+mj-lt"/>
+              <a:buAutoNum type="arabicPeriod"/>
+            </a:pPr>
+            <a:r>
+              <a:rPr lang="en-US" sz="1000" dirty="0"/>
+              <a:t>Once order is confirmed, community logistics will work towards collaborating with </a:t>
+            </a:r>
+            <a:r>
+              <a:rPr lang="en-US" sz="1000" dirty="0">
+                <a:solidFill>
+                  <a:schemeClr val="bg1">
+                    <a:lumMod val="50000"/>
+                  </a:schemeClr>
+                </a:solidFill>
+              </a:rPr>
+              <a:t>neighboring community using Newman detection algorithm</a:t>
             </a:r>
           </a:p>
         </p:txBody>
